--- a/files/slides/lecture_3.pptx
+++ b/files/slides/lecture_3.pptx
@@ -16906,7 +16906,7 @@
                   <a:defRPr/>
                 </a:pPr>
                 <a:r>
-                  <a:rPr kumimoji="0" lang="" altLang="zh-CN" sz="2400" b="1" i="0" u="none" strike="noStrike" kern="1200" cap="none" spc="0" normalizeH="0" baseline="0" noProof="0" dirty="0">
+                  <a:rPr kumimoji="0" lang="en-US" altLang="zh-CN" sz="2400" b="1" i="0" u="none" strike="noStrike" kern="1200" cap="none" spc="0" normalizeH="0" baseline="0" noProof="0" dirty="0">
                     <a:ln>
                       <a:noFill/>
                     </a:ln>
@@ -16923,23 +16923,6 @@
                   <a:t>2</a:t>
                 </a:r>
                 <a:r>
-                  <a:rPr kumimoji="0" lang="zh-CN" altLang="" sz="2400" b="1" i="0" u="none" strike="noStrike" kern="1200" cap="none" spc="0" normalizeH="0" baseline="0" noProof="0" dirty="0">
-                    <a:ln>
-                      <a:noFill/>
-                    </a:ln>
-                    <a:solidFill>
-                      <a:schemeClr val="tx1"/>
-                    </a:solidFill>
-                    <a:effectLst/>
-                    <a:uLnTx/>
-                    <a:uFillTx/>
-                    <a:latin typeface="微软雅黑" panose="020B0503020204020204" charset="-122"/>
-                    <a:ea typeface="微软雅黑" panose="020B0503020204020204" charset="-122"/>
-                    <a:cs typeface="+mn-ea"/>
-                  </a:rPr>
-                  <a:t>、</a:t>
-                </a:r>
-                <a:r>
                   <a:rPr kumimoji="0" lang="zh-CN" altLang="en-US" sz="2400" b="1" i="0" u="none" strike="noStrike" kern="1200" cap="none" spc="0" normalizeH="0" baseline="0" noProof="0" dirty="0">
                     <a:ln>
                       <a:noFill/>
@@ -16954,7 +16937,7 @@
                     <a:ea typeface="微软雅黑" panose="020B0503020204020204" charset="-122"/>
                     <a:cs typeface="+mn-ea"/>
                   </a:rPr>
-                  <a:t>从横向分割的角度</a:t>
+                  <a:t>、从横向分割的角度</a:t>
                 </a:r>
                 <a:endParaRPr kumimoji="0" lang="en-US" altLang="zh-CN" sz="2000" b="1" i="0" u="none" strike="noStrike" kern="1200" cap="none" spc="0" normalizeH="0" baseline="0" noProof="0" dirty="0">
                   <a:ln>

--- a/files/slides/lecture_3.pptx
+++ b/files/slides/lecture_3.pptx
@@ -6207,7 +6207,7 @@
         </p:blipFill>
         <p:spPr>
           <a:xfrm>
-            <a:off x="3878580" y="3332480"/>
+            <a:off x="3995420" y="3253105"/>
             <a:ext cx="4435475" cy="3521710"/>
           </a:xfrm>
           <a:prstGeom prst="rect">
@@ -10034,6 +10034,23 @@
               <a:defRPr/>
             </a:pPr>
             <a:r>
+              <a:rPr kumimoji="0" lang="zh-CN" altLang="en-US" sz="2400" b="1" i="0" u="none" strike="noStrike" kern="1200" cap="none" spc="0" normalizeH="0" baseline="0" noProof="0" dirty="0">
+                <a:ln>
+                  <a:noFill/>
+                </a:ln>
+                <a:solidFill>
+                  <a:schemeClr val="tx1"/>
+                </a:solidFill>
+                <a:effectLst/>
+                <a:uLnTx/>
+                <a:uFillTx/>
+                <a:latin typeface="微软雅黑" panose="020B0503020204020204" charset="-122"/>
+                <a:ea typeface="微软雅黑" panose="020B0503020204020204" charset="-122"/>
+                <a:cs typeface="+mn-cs"/>
+              </a:rPr>
+              <a:t>掌握信用分类形式</a:t>
+            </a:r>
+            <a:r>
               <a:rPr kumimoji="0" lang="zh-CN" altLang="en-US" sz="2400" i="0" u="none" strike="noStrike" kern="1200" cap="none" spc="0" normalizeH="0" baseline="0" noProof="0" dirty="0">
                 <a:ln>
                   <a:noFill/>
@@ -10048,7 +10065,7 @@
                 <a:ea typeface="微软雅黑" panose="020B0503020204020204" charset="-122"/>
                 <a:cs typeface="+mn-cs"/>
               </a:rPr>
-              <a:t>掌握信用分类形式，认识信用缺失的危害</a:t>
+              <a:t>，认识信用缺失的危害</a:t>
             </a:r>
             <a:endParaRPr kumimoji="0" lang="zh-CN" altLang="en-US" sz="2400" i="0" u="none" strike="noStrike" kern="1200" cap="none" spc="0" normalizeH="0" baseline="0" noProof="0" dirty="0">
               <a:ln>
@@ -10130,6 +10147,23 @@
               <a:defRPr/>
             </a:pPr>
             <a:r>
+              <a:rPr kumimoji="0" lang="zh-CN" altLang="en-US" sz="2400" b="1" i="0" u="none" strike="noStrike" kern="1200" cap="none" spc="0" normalizeH="0" baseline="0" noProof="0" dirty="0">
+                <a:ln>
+                  <a:noFill/>
+                </a:ln>
+                <a:solidFill>
+                  <a:schemeClr val="tx1"/>
+                </a:solidFill>
+                <a:effectLst/>
+                <a:uLnTx/>
+                <a:uFillTx/>
+                <a:latin typeface="微软雅黑" panose="020B0503020204020204" charset="-122"/>
+                <a:ea typeface="微软雅黑" panose="020B0503020204020204" charset="-122"/>
+                <a:cs typeface="微软雅黑" panose="020B0503020204020204" charset="-122"/>
+              </a:rPr>
+              <a:t>重点掌握社会信用体系的架构</a:t>
+            </a:r>
+            <a:r>
               <a:rPr kumimoji="0" lang="zh-CN" altLang="en-US" sz="2400" i="0" u="none" strike="noStrike" kern="1200" cap="none" spc="0" normalizeH="0" baseline="0" noProof="0" dirty="0">
                 <a:ln>
                   <a:noFill/>
@@ -10144,7 +10178,7 @@
                 <a:ea typeface="微软雅黑" panose="020B0503020204020204" charset="-122"/>
                 <a:cs typeface="微软雅黑" panose="020B0503020204020204" charset="-122"/>
               </a:rPr>
-              <a:t>重点掌握社会信用体系的架构 </a:t>
+              <a:t> </a:t>
             </a:r>
             <a:endParaRPr kumimoji="0" lang="zh-CN" altLang="en-US" sz="2400" i="0" u="none" strike="noStrike" kern="1200" cap="none" spc="0" normalizeH="0" baseline="0" noProof="0" dirty="0">
               <a:ln>
@@ -16547,7 +16581,7 @@
                       <a:noFill/>
                     </a:ln>
                     <a:solidFill>
-                      <a:srgbClr val="0000FF"/>
+                      <a:schemeClr val="tx1"/>
                     </a:solidFill>
                     <a:effectLst/>
                     <a:uLnTx/>
@@ -16771,9 +16805,9 @@
                     <a:ea typeface="微软雅黑" panose="020B0503020204020204" charset="-122"/>
                     <a:cs typeface="微软雅黑" panose="020B0503020204020204" charset="-122"/>
                   </a:rPr>
-                  <a:t>”，它为信用管理行业的商业行为提供“游戏规则”</a:t>
+                  <a:t>”，它为信用管理行业的商业行为提供“游戏规则”。</a:t>
                 </a:r>
-                <a:endParaRPr kumimoji="0" lang="zh-CN" altLang="en-US" sz="2400" b="1" i="0" u="none" strike="noStrike" kern="1200" cap="none" spc="0" normalizeH="0" baseline="0" noProof="0" dirty="0">
+                <a:endParaRPr kumimoji="0" lang="" altLang="zh-CN" sz="2400" b="0" i="0" u="none" strike="noStrike" kern="1200" cap="none" spc="0" normalizeH="0" baseline="0" noProof="0" dirty="0">
                   <a:ln>
                     <a:noFill/>
                   </a:ln>
@@ -17222,7 +17256,7 @@
                     <a:ea typeface="微软雅黑" panose="020B0503020204020204" charset="-122"/>
                     <a:cs typeface="+mn-ea"/>
                   </a:rPr>
-                  <a:t>系，影响社会全局的信用体系</a:t>
+                  <a:t>系，影响社会全局的信用体系。</a:t>
                 </a:r>
                 <a:endParaRPr kumimoji="0" lang="en-US" altLang="zh-CN" sz="2400" b="0" i="0" u="none" strike="noStrike" kern="1200" cap="none" spc="0" normalizeH="0" baseline="0" noProof="0" dirty="0">
                   <a:ln>
@@ -17418,7 +17452,7 @@
                     <a:ea typeface="微软雅黑" panose="020B0503020204020204" charset="-122"/>
                     <a:cs typeface="+mn-ea"/>
                   </a:rPr>
-                  <a:t>的基础，它为授信者提供信用信息；弥补公共信用体系和企业信用体系的疏漏</a:t>
+                  <a:t>的基础，它为授信者提供个体信用信息，弥补公共信用体系和企业信用体系的疏漏。</a:t>
                 </a:r>
                 <a:endParaRPr kumimoji="0" lang="zh-CN" altLang="en-US" sz="2400" b="0" i="0" u="none" strike="noStrike" kern="1200" cap="none" spc="0" normalizeH="0" baseline="0" noProof="0" dirty="0">
                   <a:ln>
@@ -17620,7 +17654,7 @@
                 <a:defRPr/>
               </a:pPr>
               <a:r>
-                <a:rPr kumimoji="0" lang="zh-CN" altLang="en-US" sz="2800" b="1" i="0" u="none" strike="noStrike" kern="1200" cap="none" spc="0" normalizeH="0" baseline="0" noProof="0" dirty="0">
+                <a:rPr kumimoji="0" lang="zh-CN" altLang="en-US" sz="2800" b="0" i="0" u="none" strike="noStrike" kern="1200" cap="none" spc="0" normalizeH="0" baseline="0" noProof="0" dirty="0">
                   <a:ln>
                     <a:noFill/>
                   </a:ln>
@@ -17636,7 +17670,7 @@
                 </a:rPr>
                 <a:t>（二）社会信用体系结构</a:t>
               </a:r>
-              <a:endParaRPr kumimoji="0" lang="zh-CN" altLang="en-US" sz="2800" b="1" i="0" u="none" strike="noStrike" kern="1200" cap="none" spc="0" normalizeH="0" baseline="0" noProof="0" dirty="0">
+              <a:endParaRPr kumimoji="0" lang="zh-CN" altLang="en-US" sz="2800" b="0" i="0" u="none" strike="noStrike" kern="1200" cap="none" spc="0" normalizeH="0" baseline="0" noProof="0" dirty="0">
                 <a:ln>
                   <a:noFill/>
                 </a:ln>
@@ -19585,7 +19619,7 @@
                 <a:ea typeface="微软雅黑" panose="020B0503020204020204" charset="-122"/>
                 <a:cs typeface="微软雅黑" panose="020B0503020204020204" charset="-122"/>
               </a:rPr>
-              <a:t>经久不竭的需求，是支撑信用公司生产加工和销售信用产品的原动力，是巩固发展现代信用体系的深厚市场基础，也是信用产品不断创新的原因。因此，应通过政府立法、行业组织制定行规来引导全社会对信用服务的需求。</a:t>
+              <a:t>经久不竭的需求，是支撑信用公司生产加工和销售信用产品的原动力，是巩固发展现代信用体系的深厚市场基础，也是信用产品不断创新的源动力。因此，应通过政府立法、行业组织制定行规来引导全社会对信用服务的需求。</a:t>
             </a:r>
             <a:endParaRPr kumimoji="0" lang="zh-CN" altLang="en-US" sz="2000" kern="1200" cap="none" spc="0" normalizeH="0" baseline="0" noProof="0" dirty="0">
               <a:solidFill>
@@ -20980,7 +21014,7 @@
                 <a:ea typeface="微软雅黑" panose="020B0503020204020204" charset="-122"/>
                 <a:cs typeface="微软雅黑" panose="020B0503020204020204" charset="-122"/>
               </a:rPr>
-              <a:t>主要包括：工商、税务、海关、外汇、质量技术监督、人事、社会保障等行政执法和管理部门，公用事业部门、公安、法院等司法部门，银行、保险等金融部门。</a:t>
+              <a:t>主要包括：工商、税务、海关、外汇、质量技术监督、人事、社会保障等行政执法和管理部门，公用事业部门，公安、法院等司法部门，银行、保险等金融部门。</a:t>
             </a:r>
             <a:endParaRPr kumimoji="0" lang="zh-CN" altLang="en-US" sz="2000" b="0" i="0" u="none" strike="noStrike" kern="1200" cap="none" spc="0" normalizeH="0" baseline="0" noProof="0" dirty="0">
               <a:ln>

--- a/files/slides/lecture_3.pptx
+++ b/files/slides/lecture_3.pptx
@@ -6721,8 +6721,8 @@
         </p:nvSpPr>
         <p:spPr>
           <a:xfrm>
-            <a:off x="1981200" y="864235"/>
-            <a:ext cx="8229600" cy="1541145"/>
+            <a:off x="656590" y="864235"/>
+            <a:ext cx="10836275" cy="1541145"/>
           </a:xfrm>
           <a:prstGeom prst="rect">
             <a:avLst/>
@@ -6997,6 +6997,26 @@
                 <a:ea typeface="微软雅黑" panose="020B0503020204020204" charset="-122"/>
               </a:rPr>
               <a:t>负责建设、运行和维护。</a:t>
+            </a:r>
+            <a:r>
+              <a:rPr lang="zh-CN" altLang="en-US" sz="2000" b="1" dirty="0">
+                <a:solidFill>
+                  <a:srgbClr val="00B0F0"/>
+                </a:solidFill>
+                <a:latin typeface="微软雅黑" panose="020B0503020204020204" charset="-122"/>
+                <a:ea typeface="微软雅黑" panose="020B0503020204020204" charset="-122"/>
+              </a:rPr>
+              <a:t>二十大报告指出要完善产权保护、市场准入、公平竞争、社会信用等市场经济基础制度</a:t>
+            </a:r>
+            <a:r>
+              <a:rPr lang="zh-CN" altLang="en-US" sz="2000" dirty="0">
+                <a:solidFill>
+                  <a:srgbClr val="130401"/>
+                </a:solidFill>
+                <a:latin typeface="微软雅黑" panose="020B0503020204020204" charset="-122"/>
+                <a:ea typeface="微软雅黑" panose="020B0503020204020204" charset="-122"/>
+              </a:rPr>
+              <a:t>。</a:t>
             </a:r>
             <a:endParaRPr lang="zh-CN" altLang="en-US" sz="2000" dirty="0">
               <a:solidFill>
@@ -16807,7 +16827,7 @@
                   </a:rPr>
                   <a:t>”，它为信用管理行业的商业行为提供“游戏规则”。</a:t>
                 </a:r>
-                <a:endParaRPr kumimoji="0" lang="" altLang="zh-CN" sz="2400" b="0" i="0" u="none" strike="noStrike" kern="1200" cap="none" spc="0" normalizeH="0" baseline="0" noProof="0" dirty="0">
+                <a:endParaRPr kumimoji="0" lang="en-US" altLang="zh-CN" sz="2400" b="0" i="0" u="none" strike="noStrike" kern="1200" cap="none" spc="0" normalizeH="0" baseline="0" noProof="0" dirty="0">
                   <a:ln>
                     <a:noFill/>
                   </a:ln>

--- a/files/slides/lecture_3.pptx
+++ b/files/slides/lecture_3.pptx
@@ -6721,7 +6721,7 @@
         </p:nvSpPr>
         <p:spPr>
           <a:xfrm>
-            <a:off x="656590" y="864235"/>
+            <a:off x="678180" y="720725"/>
             <a:ext cx="10836275" cy="1541145"/>
           </a:xfrm>
           <a:prstGeom prst="rect">
@@ -7044,7 +7044,7 @@
         </p:blipFill>
         <p:spPr>
           <a:xfrm>
-            <a:off x="4312285" y="2355215"/>
+            <a:off x="4312285" y="2261870"/>
             <a:ext cx="3568065" cy="4418965"/>
           </a:xfrm>
           <a:prstGeom prst="rect">
